--- a/Books and PPTS/Spring Boot PPT.pptx
+++ b/Books and PPTS/Spring Boot PPT.pptx
@@ -119,6 +119,11 @@
       </a:defRPr>
     </a:lvl9pPr>
   </p:defaultTextStyle>
+  <p:extLst>
+    <p:ext uri="{EFAFB233-063F-42B5-8137-9DF3F51BA10A}">
+      <p15:sldGuideLst xmlns:p15="http://schemas.microsoft.com/office/powerpoint/2012/main"/>
+    </p:ext>
+  </p:extLst>
 </p:presentation>
 </file>
 
@@ -269,7 +274,7 @@
           <a:p>
             <a:fld id="{DAF27136-5F7E-E342-8C0F-B134C404CC59}" type="datetimeFigureOut">
               <a:rPr lang="en-US" smtClean="0"/>
-              <a:t>1/1/19</a:t>
+              <a:t>2/24/20</a:t>
             </a:fld>
             <a:endParaRPr lang="en-US"/>
           </a:p>
@@ -467,7 +472,7 @@
           <a:p>
             <a:fld id="{DAF27136-5F7E-E342-8C0F-B134C404CC59}" type="datetimeFigureOut">
               <a:rPr lang="en-US" smtClean="0"/>
-              <a:t>1/1/19</a:t>
+              <a:t>2/24/20</a:t>
             </a:fld>
             <a:endParaRPr lang="en-US"/>
           </a:p>
@@ -675,7 +680,7 @@
           <a:p>
             <a:fld id="{DAF27136-5F7E-E342-8C0F-B134C404CC59}" type="datetimeFigureOut">
               <a:rPr lang="en-US" smtClean="0"/>
-              <a:t>1/1/19</a:t>
+              <a:t>2/24/20</a:t>
             </a:fld>
             <a:endParaRPr lang="en-US"/>
           </a:p>
@@ -873,7 +878,7 @@
           <a:p>
             <a:fld id="{DAF27136-5F7E-E342-8C0F-B134C404CC59}" type="datetimeFigureOut">
               <a:rPr lang="en-US" smtClean="0"/>
-              <a:t>1/1/19</a:t>
+              <a:t>2/24/20</a:t>
             </a:fld>
             <a:endParaRPr lang="en-US"/>
           </a:p>
@@ -1148,7 +1153,7 @@
           <a:p>
             <a:fld id="{DAF27136-5F7E-E342-8C0F-B134C404CC59}" type="datetimeFigureOut">
               <a:rPr lang="en-US" smtClean="0"/>
-              <a:t>1/1/19</a:t>
+              <a:t>2/24/20</a:t>
             </a:fld>
             <a:endParaRPr lang="en-US"/>
           </a:p>
@@ -1413,7 +1418,7 @@
           <a:p>
             <a:fld id="{DAF27136-5F7E-E342-8C0F-B134C404CC59}" type="datetimeFigureOut">
               <a:rPr lang="en-US" smtClean="0"/>
-              <a:t>1/1/19</a:t>
+              <a:t>2/24/20</a:t>
             </a:fld>
             <a:endParaRPr lang="en-US"/>
           </a:p>
@@ -1825,7 +1830,7 @@
           <a:p>
             <a:fld id="{DAF27136-5F7E-E342-8C0F-B134C404CC59}" type="datetimeFigureOut">
               <a:rPr lang="en-US" smtClean="0"/>
-              <a:t>1/1/19</a:t>
+              <a:t>2/24/20</a:t>
             </a:fld>
             <a:endParaRPr lang="en-US"/>
           </a:p>
@@ -1966,7 +1971,7 @@
           <a:p>
             <a:fld id="{DAF27136-5F7E-E342-8C0F-B134C404CC59}" type="datetimeFigureOut">
               <a:rPr lang="en-US" smtClean="0"/>
-              <a:t>1/1/19</a:t>
+              <a:t>2/24/20</a:t>
             </a:fld>
             <a:endParaRPr lang="en-US"/>
           </a:p>
@@ -2079,7 +2084,7 @@
           <a:p>
             <a:fld id="{DAF27136-5F7E-E342-8C0F-B134C404CC59}" type="datetimeFigureOut">
               <a:rPr lang="en-US" smtClean="0"/>
-              <a:t>1/1/19</a:t>
+              <a:t>2/24/20</a:t>
             </a:fld>
             <a:endParaRPr lang="en-US"/>
           </a:p>
@@ -2390,7 +2395,7 @@
           <a:p>
             <a:fld id="{DAF27136-5F7E-E342-8C0F-B134C404CC59}" type="datetimeFigureOut">
               <a:rPr lang="en-US" smtClean="0"/>
-              <a:t>1/1/19</a:t>
+              <a:t>2/24/20</a:t>
             </a:fld>
             <a:endParaRPr lang="en-US"/>
           </a:p>
@@ -2678,7 +2683,7 @@
           <a:p>
             <a:fld id="{DAF27136-5F7E-E342-8C0F-B134C404CC59}" type="datetimeFigureOut">
               <a:rPr lang="en-US" smtClean="0"/>
-              <a:t>1/1/19</a:t>
+              <a:t>2/24/20</a:t>
             </a:fld>
             <a:endParaRPr lang="en-US"/>
           </a:p>
@@ -2919,7 +2924,7 @@
           <a:p>
             <a:fld id="{DAF27136-5F7E-E342-8C0F-B134C404CC59}" type="datetimeFigureOut">
               <a:rPr lang="en-US" smtClean="0"/>
-              <a:t>1/1/19</a:t>
+              <a:t>2/24/20</a:t>
             </a:fld>
             <a:endParaRPr lang="en-US"/>
           </a:p>
@@ -6469,7 +6474,7 @@
             </a:pPr>
             <a:r>
               <a:rPr lang="en-IN" dirty="0"/>
-              <a:t>        &lt;version&gt;1.9.1.RELEASE&lt;/version&gt;</a:t>
+              <a:t>        &lt;version&gt;2.2.4.RELEASE&lt;/version&gt;</a:t>
             </a:r>
           </a:p>
           <a:p>
